--- a/powerpoint week 2.pptx
+++ b/powerpoint week 2.pptx
@@ -9,6 +9,7 @@
     <p:sldId id="257" r:id="rId3"/>
     <p:sldId id="258" r:id="rId4"/>
     <p:sldId id="259" r:id="rId5"/>
+    <p:sldId id="260" r:id="rId6"/>
   </p:sldIdLst>
   <p:sldSz cx="12192000" cy="6858000"/>
   <p:notesSz cx="6858000" cy="9144000"/>
@@ -107,6 +108,11 @@
       </a:defRPr>
     </a:lvl9pPr>
   </p:defaultTextStyle>
+  <p:extLst>
+    <p:ext uri="{EFAFB233-063F-42B5-8137-9DF3F51BA10A}">
+      <p15:sldGuideLst xmlns:p15="http://schemas.microsoft.com/office/powerpoint/2012/main"/>
+    </p:ext>
+  </p:extLst>
 </p:presentation>
 </file>
 
@@ -155,7 +161,6 @@
               <a:rPr lang="nl-NL"/>
               <a:t>Klik om de stijl te bewerken</a:t>
             </a:r>
-            <a:endParaRPr lang="nl-NL"/>
           </a:p>
         </p:txBody>
       </p:sp>
@@ -220,7 +225,6 @@
               <a:rPr lang="nl-NL"/>
               <a:t>Klik om de ondertitelstijl van het model te bewerken</a:t>
             </a:r>
-            <a:endParaRPr lang="nl-NL"/>
           </a:p>
         </p:txBody>
       </p:sp>
@@ -338,7 +342,6 @@
               <a:rPr lang="nl-NL"/>
               <a:t>Klik om de stijl te bewerken</a:t>
             </a:r>
-            <a:endParaRPr lang="nl-NL"/>
           </a:p>
         </p:txBody>
       </p:sp>
@@ -390,7 +393,6 @@
               <a:rPr lang="nl-NL"/>
               <a:t>Vijfde niveau</a:t>
             </a:r>
-            <a:endParaRPr lang="nl-NL"/>
           </a:p>
         </p:txBody>
       </p:sp>
@@ -513,7 +515,6 @@
               <a:rPr lang="nl-NL"/>
               <a:t>Klik om de stijl te bewerken</a:t>
             </a:r>
-            <a:endParaRPr lang="nl-NL"/>
           </a:p>
         </p:txBody>
       </p:sp>
@@ -570,7 +571,6 @@
               <a:rPr lang="nl-NL"/>
               <a:t>Vijfde niveau</a:t>
             </a:r>
-            <a:endParaRPr lang="nl-NL"/>
           </a:p>
         </p:txBody>
       </p:sp>
@@ -688,7 +688,6 @@
               <a:rPr lang="nl-NL"/>
               <a:t>Klik om de stijl te bewerken</a:t>
             </a:r>
-            <a:endParaRPr lang="nl-NL"/>
           </a:p>
         </p:txBody>
       </p:sp>
@@ -740,7 +739,6 @@
               <a:rPr lang="nl-NL"/>
               <a:t>Vijfde niveau</a:t>
             </a:r>
-            <a:endParaRPr lang="nl-NL"/>
           </a:p>
         </p:txBody>
       </p:sp>
@@ -867,7 +865,6 @@
               <a:rPr lang="nl-NL"/>
               <a:t>Klik om de stijl te bewerken</a:t>
             </a:r>
-            <a:endParaRPr lang="nl-NL"/>
           </a:p>
         </p:txBody>
       </p:sp>
@@ -1104,7 +1101,6 @@
               <a:rPr lang="nl-NL"/>
               <a:t>Klik om de stijl te bewerken</a:t>
             </a:r>
-            <a:endParaRPr lang="nl-NL"/>
           </a:p>
         </p:txBody>
       </p:sp>
@@ -1161,7 +1157,6 @@
               <a:rPr lang="nl-NL"/>
               <a:t>Vijfde niveau</a:t>
             </a:r>
-            <a:endParaRPr lang="nl-NL"/>
           </a:p>
         </p:txBody>
       </p:sp>
@@ -1218,7 +1213,6 @@
               <a:rPr lang="nl-NL"/>
               <a:t>Vijfde niveau</a:t>
             </a:r>
-            <a:endParaRPr lang="nl-NL"/>
           </a:p>
         </p:txBody>
       </p:sp>
@@ -1341,7 +1335,6 @@
               <a:rPr lang="nl-NL"/>
               <a:t>Klik om de stijl te bewerken</a:t>
             </a:r>
-            <a:endParaRPr lang="nl-NL"/>
           </a:p>
         </p:txBody>
       </p:sp>
@@ -1463,7 +1456,6 @@
               <a:rPr lang="nl-NL"/>
               <a:t>Vijfde niveau</a:t>
             </a:r>
-            <a:endParaRPr lang="nl-NL"/>
           </a:p>
         </p:txBody>
       </p:sp>
@@ -1585,7 +1577,6 @@
               <a:rPr lang="nl-NL"/>
               <a:t>Vijfde niveau</a:t>
             </a:r>
-            <a:endParaRPr lang="nl-NL"/>
           </a:p>
         </p:txBody>
       </p:sp>
@@ -1703,7 +1694,6 @@
               <a:rPr lang="nl-NL"/>
               <a:t>Klik om de stijl te bewerken</a:t>
             </a:r>
-            <a:endParaRPr lang="nl-NL"/>
           </a:p>
         </p:txBody>
       </p:sp>
@@ -1925,7 +1915,6 @@
               <a:rPr lang="nl-NL"/>
               <a:t>Klik om de stijl te bewerken</a:t>
             </a:r>
-            <a:endParaRPr lang="nl-NL"/>
           </a:p>
         </p:txBody>
       </p:sp>
@@ -2010,7 +1999,6 @@
               <a:rPr lang="nl-NL"/>
               <a:t>Vijfde niveau</a:t>
             </a:r>
-            <a:endParaRPr lang="nl-NL"/>
           </a:p>
         </p:txBody>
       </p:sp>
@@ -2202,7 +2190,6 @@
               <a:rPr lang="nl-NL"/>
               <a:t>Klik om de stijl te bewerken</a:t>
             </a:r>
-            <a:endParaRPr lang="nl-NL"/>
           </a:p>
         </p:txBody>
       </p:sp>
@@ -2461,7 +2448,6 @@
               <a:rPr lang="nl-NL"/>
               <a:t>Klik om de stijl te bewerken</a:t>
             </a:r>
-            <a:endParaRPr lang="nl-NL"/>
           </a:p>
         </p:txBody>
       </p:sp>
@@ -2523,7 +2509,6 @@
               <a:rPr lang="nl-NL"/>
               <a:t>Vijfde niveau</a:t>
             </a:r>
-            <a:endParaRPr lang="nl-NL"/>
           </a:p>
         </p:txBody>
       </p:sp>
@@ -3178,13 +3163,8 @@
           <a:p>
             <a:r>
               <a:rPr lang="nl-NL" dirty="0"/>
-              <a:t>Volgende week werkend </a:t>
-            </a:r>
-            <a:r>
-              <a:rPr lang="nl-NL" dirty="0" err="1"/>
-              <a:t>algorithme</a:t>
-            </a:r>
-            <a:endParaRPr lang="nl-NL" dirty="0"/>
+              <a:t>Volgende week werkend algoritme</a:t>
+            </a:r>
           </a:p>
         </p:txBody>
       </p:sp>
@@ -3234,12 +3214,8 @@
           <a:lstStyle/>
           <a:p>
             <a:r>
-              <a:rPr lang="nl-NL" dirty="0" err="1"/>
-              <a:t>Algorithme</a:t>
-            </a:r>
-            <a:r>
               <a:rPr lang="nl-NL" dirty="0"/>
-              <a:t> </a:t>
+              <a:t>Algoritme </a:t>
             </a:r>
           </a:p>
         </p:txBody>
@@ -3256,9 +3232,35 @@
         </p:nvSpPr>
         <p:spPr/>
         <p:txBody>
-          <a:bodyPr/>
-          <a:lstStyle/>
-          <a:p>
+          <a:bodyPr>
+            <a:normAutofit/>
+          </a:bodyPr>
+          <a:lstStyle/>
+          <a:p>
+            <a:r>
+              <a:rPr lang="nl-NL" dirty="0"/>
+              <a:t>Start bij de provincie met de meeste aangrenzende provincies</a:t>
+            </a:r>
+          </a:p>
+          <a:p>
+            <a:r>
+              <a:rPr lang="nl-NL" dirty="0"/>
+              <a:t>Als er maar 1 zender mogelijk is, kies die zender</a:t>
+            </a:r>
+          </a:p>
+          <a:p>
+            <a:r>
+              <a:rPr lang="nl-NL" dirty="0"/>
+              <a:t>Als alle zenders gelijk aanwezig zijn begin bij zender 1, anders kies zender die het minst aanwezig is</a:t>
+            </a:r>
+          </a:p>
+          <a:p>
+            <a:pPr marL="0" indent="0">
+              <a:buNone/>
+            </a:pPr>
+            <a:br>
+              <a:rPr lang="nl-NL" dirty="0"/>
+            </a:br>
             <a:endParaRPr lang="nl-NL" dirty="0"/>
           </a:p>
         </p:txBody>
@@ -3267,6 +3269,93 @@
     <p:extLst>
       <p:ext uri="{BB962C8B-B14F-4D97-AF65-F5344CB8AC3E}">
         <p14:creationId xmlns:p14="http://schemas.microsoft.com/office/powerpoint/2010/main" val="3426532321"/>
+      </p:ext>
+    </p:extLst>
+  </p:cSld>
+  <p:clrMapOvr>
+    <a:masterClrMapping/>
+  </p:clrMapOvr>
+</p:sld>
+</file>
+
+<file path=ppt/slides/slide5.xml><?xml version="1.0" encoding="utf-8"?>
+<p:sld xmlns:a="http://schemas.openxmlformats.org/drawingml/2006/main" xmlns:r="http://schemas.openxmlformats.org/officeDocument/2006/relationships" xmlns:p="http://schemas.openxmlformats.org/presentationml/2006/main">
+  <p:cSld>
+    <p:spTree>
+      <p:nvGrpSpPr>
+        <p:cNvPr id="1" name=""/>
+        <p:cNvGrpSpPr/>
+        <p:nvPr/>
+      </p:nvGrpSpPr>
+      <p:grpSpPr>
+        <a:xfrm>
+          <a:off x="0" y="0"/>
+          <a:ext cx="0" cy="0"/>
+          <a:chOff x="0" y="0"/>
+          <a:chExt cx="0" cy="0"/>
+        </a:xfrm>
+      </p:grpSpPr>
+      <p:sp>
+        <p:nvSpPr>
+          <p:cNvPr id="2" name="Titel 1"/>
+          <p:cNvSpPr>
+            <a:spLocks noGrp="1"/>
+          </p:cNvSpPr>
+          <p:nvPr>
+            <p:ph type="title"/>
+          </p:nvPr>
+        </p:nvSpPr>
+        <p:spPr/>
+        <p:txBody>
+          <a:bodyPr/>
+          <a:lstStyle/>
+          <a:p>
+            <a:r>
+              <a:rPr lang="nl-NL" dirty="0"/>
+              <a:t>Algoritme</a:t>
+            </a:r>
+          </a:p>
+        </p:txBody>
+      </p:sp>
+      <p:sp>
+        <p:nvSpPr>
+          <p:cNvPr id="3" name="Tijdelijke aanduiding voor inhoud 2"/>
+          <p:cNvSpPr>
+            <a:spLocks noGrp="1"/>
+          </p:cNvSpPr>
+          <p:nvPr>
+            <p:ph idx="1"/>
+          </p:nvPr>
+        </p:nvSpPr>
+        <p:spPr/>
+        <p:txBody>
+          <a:bodyPr/>
+          <a:lstStyle/>
+          <a:p>
+            <a:r>
+              <a:rPr lang="nl-NL" dirty="0"/>
+              <a:t>Als oplossing niet mogelijk is, ga terug totdat er een mogelijke oplossing komt. </a:t>
+            </a:r>
+          </a:p>
+          <a:p>
+            <a:r>
+              <a:rPr lang="nl-NL" dirty="0"/>
+              <a:t>Kijk bij iedere stap terug of er andere opties waren en als er een andere optie was, kies dan de andere</a:t>
+            </a:r>
+          </a:p>
+          <a:p>
+            <a:pPr lvl="1"/>
+            <a:r>
+              <a:rPr lang="nl-NL" dirty="0"/>
+              <a:t>Er is weer een voorkeur voor  het zendertype met het laagste aantal zenders</a:t>
+            </a:r>
+          </a:p>
+        </p:txBody>
+      </p:sp>
+    </p:spTree>
+    <p:extLst>
+      <p:ext uri="{BB962C8B-B14F-4D97-AF65-F5344CB8AC3E}">
+        <p14:creationId xmlns:p14="http://schemas.microsoft.com/office/powerpoint/2010/main" val="1433047399"/>
       </p:ext>
     </p:extLst>
   </p:cSld>
